--- a/ZP3ZTV Önálló labor 2 Prezentáció.pptx
+++ b/ZP3ZTV Önálló labor 2 Prezentáció.pptx
@@ -369,7 +369,7 @@
             <a:fld id="{87DE6118-2437-4B30-8E3C-4D2BE6020583}" type="datetimeFigureOut">
               <a:rPr lang="en-US" smtClean="0"/>
               <a:pPr/>
-              <a:t>11/30/20</a:t>
+              <a:t>12/2/20</a:t>
             </a:fld>
             <a:endParaRPr lang="en-US" dirty="0"/>
           </a:p>
@@ -633,7 +633,7 @@
             <a:fld id="{87DE6118-2437-4B30-8E3C-4D2BE6020583}" type="datetimeFigureOut">
               <a:rPr lang="en-US" smtClean="0"/>
               <a:pPr/>
-              <a:t>11/30/20</a:t>
+              <a:t>12/2/20</a:t>
             </a:fld>
             <a:endParaRPr lang="en-US" dirty="0"/>
           </a:p>
@@ -870,7 +870,7 @@
             <a:fld id="{87DE6118-2437-4B30-8E3C-4D2BE6020583}" type="datetimeFigureOut">
               <a:rPr lang="en-US" smtClean="0"/>
               <a:pPr/>
-              <a:t>11/30/20</a:t>
+              <a:t>12/2/20</a:t>
             </a:fld>
             <a:endParaRPr lang="en-US" dirty="0"/>
           </a:p>
@@ -1112,7 +1112,7 @@
             <a:fld id="{87DE6118-2437-4B30-8E3C-4D2BE6020583}" type="datetimeFigureOut">
               <a:rPr lang="en-US" smtClean="0"/>
               <a:pPr/>
-              <a:t>11/30/20</a:t>
+              <a:t>12/2/20</a:t>
             </a:fld>
             <a:endParaRPr lang="en-US" dirty="0"/>
           </a:p>
@@ -1421,7 +1421,7 @@
             <a:fld id="{87DE6118-2437-4B30-8E3C-4D2BE6020583}" type="datetimeFigureOut">
               <a:rPr lang="en-US" smtClean="0"/>
               <a:pPr/>
-              <a:t>11/30/20</a:t>
+              <a:t>12/2/20</a:t>
             </a:fld>
             <a:endParaRPr lang="en-US" dirty="0"/>
           </a:p>
@@ -1725,7 +1725,7 @@
             <a:fld id="{87DE6118-2437-4B30-8E3C-4D2BE6020583}" type="datetimeFigureOut">
               <a:rPr lang="en-US" smtClean="0"/>
               <a:pPr/>
-              <a:t>11/30/20</a:t>
+              <a:t>12/2/20</a:t>
             </a:fld>
             <a:endParaRPr lang="en-US" dirty="0"/>
           </a:p>
@@ -2149,7 +2149,7 @@
             <a:fld id="{87DE6118-2437-4B30-8E3C-4D2BE6020583}" type="datetimeFigureOut">
               <a:rPr lang="en-US" smtClean="0"/>
               <a:pPr/>
-              <a:t>11/30/20</a:t>
+              <a:t>12/2/20</a:t>
             </a:fld>
             <a:endParaRPr lang="en-US" dirty="0"/>
           </a:p>
@@ -2245,7 +2245,7 @@
           <a:p>
             <a:fld id="{87DE6118-2437-4B30-8E3C-4D2BE6020583}" type="datetimeFigureOut">
               <a:rPr lang="en-US" smtClean="0"/>
-              <a:t>11/30/20</a:t>
+              <a:t>12/2/20</a:t>
             </a:fld>
             <a:endParaRPr lang="en-US" dirty="0"/>
           </a:p>
@@ -2407,7 +2407,7 @@
           <a:p>
             <a:fld id="{87DE6118-2437-4B30-8E3C-4D2BE6020583}" type="datetimeFigureOut">
               <a:rPr lang="en-US" smtClean="0"/>
-              <a:t>11/30/20</a:t>
+              <a:t>12/2/20</a:t>
             </a:fld>
             <a:endParaRPr lang="en-US" dirty="0"/>
           </a:p>
@@ -2786,7 +2786,7 @@
             <a:fld id="{87DE6118-2437-4B30-8E3C-4D2BE6020583}" type="datetimeFigureOut">
               <a:rPr lang="en-US" smtClean="0"/>
               <a:pPr/>
-              <a:t>11/30/20</a:t>
+              <a:t>12/2/20</a:t>
             </a:fld>
             <a:endParaRPr lang="en-US" dirty="0"/>
           </a:p>
@@ -3077,7 +3077,7 @@
             <a:fld id="{87DE6118-2437-4B30-8E3C-4D2BE6020583}" type="datetimeFigureOut">
               <a:rPr lang="en-US" smtClean="0"/>
               <a:pPr/>
-              <a:t>11/30/20</a:t>
+              <a:t>12/2/20</a:t>
             </a:fld>
             <a:endParaRPr lang="en-US" dirty="0"/>
           </a:p>
@@ -3290,7 +3290,7 @@
             <a:fld id="{87DE6118-2437-4B30-8E3C-4D2BE6020583}" type="datetimeFigureOut">
               <a:rPr lang="en-US" smtClean="0"/>
               <a:pPr/>
-              <a:t>11/30/20</a:t>
+              <a:t>12/2/20</a:t>
             </a:fld>
             <a:endParaRPr lang="en-US" dirty="0"/>
           </a:p>
@@ -3989,8 +3989,8 @@
         </p:nvSpPr>
         <p:spPr>
           <a:xfrm>
-            <a:off x="1194149" y="4753708"/>
-            <a:ext cx="7304152" cy="758018"/>
+            <a:off x="1194149" y="4753707"/>
+            <a:ext cx="7304152" cy="1199831"/>
           </a:xfrm>
         </p:spPr>
         <p:txBody>
@@ -4016,6 +4016,16 @@
             <a:r>
               <a:rPr lang="hu-HU" dirty="0"/>
               <a:t> Gábor</a:t>
+            </a:r>
+          </a:p>
+          <a:p>
+            <a:r>
+              <a:rPr lang="hu-HU" dirty="0" err="1"/>
+              <a:t>MSc</a:t>
+            </a:r>
+            <a:r>
+              <a:rPr lang="hu-HU" dirty="0"/>
+              <a:t> Önálló laboratórium 2</a:t>
             </a:r>
           </a:p>
         </p:txBody>
@@ -4372,6 +4382,110 @@
           </a:p>
         </p:txBody>
       </p:sp>
+      <p:pic>
+        <p:nvPicPr>
+          <p:cNvPr id="5" name="Kép 4" descr="A képen szöveg látható&#10;&#10;Automatikusan generált leírás">
+            <a:extLst>
+              <a:ext uri="{FF2B5EF4-FFF2-40B4-BE49-F238E27FC236}">
+                <a16:creationId xmlns:a16="http://schemas.microsoft.com/office/drawing/2014/main" id="{B5C9D876-2E66-CD46-8C44-D40E125DABB4}"/>
+              </a:ext>
+            </a:extLst>
+          </p:cNvPr>
+          <p:cNvPicPr/>
+          <p:nvPr/>
+        </p:nvPicPr>
+        <p:blipFill rotWithShape="1">
+          <a:blip r:embed="rId2" cstate="print">
+            <a:extLst>
+              <a:ext uri="{28A0092B-C50C-407E-A947-70E740481C1C}">
+                <a14:useLocalDpi xmlns:a14="http://schemas.microsoft.com/office/drawing/2010/main" val="0"/>
+              </a:ext>
+            </a:extLst>
+          </a:blip>
+          <a:srcRect l="6628"/>
+          <a:stretch/>
+        </p:blipFill>
+        <p:spPr bwMode="auto">
+          <a:xfrm>
+            <a:off x="645648" y="3614056"/>
+            <a:ext cx="4461150" cy="2333386"/>
+          </a:xfrm>
+          <a:prstGeom prst="rect">
+            <a:avLst/>
+          </a:prstGeom>
+          <a:ln>
+            <a:noFill/>
+          </a:ln>
+          <a:extLst>
+            <a:ext uri="{53640926-AAD7-44D8-BBD7-CCE9431645EC}">
+              <a14:shadowObscured xmlns:a14="http://schemas.microsoft.com/office/drawing/2010/main"/>
+            </a:ext>
+          </a:extLst>
+        </p:spPr>
+      </p:pic>
+      <p:pic>
+        <p:nvPicPr>
+          <p:cNvPr id="6" name="Kép 5">
+            <a:extLst>
+              <a:ext uri="{FF2B5EF4-FFF2-40B4-BE49-F238E27FC236}">
+                <a16:creationId xmlns:a16="http://schemas.microsoft.com/office/drawing/2014/main" id="{EB2C4C6A-55A4-CE4E-8772-2EB11F3634EB}"/>
+              </a:ext>
+            </a:extLst>
+          </p:cNvPr>
+          <p:cNvPicPr/>
+          <p:nvPr/>
+        </p:nvPicPr>
+        <p:blipFill rotWithShape="1">
+          <a:blip r:embed="rId3" cstate="print">
+            <a:extLst>
+              <a:ext uri="{28A0092B-C50C-407E-A947-70E740481C1C}">
+                <a14:useLocalDpi xmlns:a14="http://schemas.microsoft.com/office/drawing/2010/main" val="0"/>
+              </a:ext>
+            </a:extLst>
+          </a:blip>
+          <a:srcRect l="20635" r="17724"/>
+          <a:stretch/>
+        </p:blipFill>
+        <p:spPr>
+          <a:xfrm>
+            <a:off x="5260736" y="3614056"/>
+            <a:ext cx="2292279" cy="2333386"/>
+          </a:xfrm>
+          <a:prstGeom prst="rect">
+            <a:avLst/>
+          </a:prstGeom>
+        </p:spPr>
+      </p:pic>
+      <p:pic>
+        <p:nvPicPr>
+          <p:cNvPr id="7" name="Kép 6" descr="A képen asztal látható&#10;&#10;Automatikusan generált leírás">
+            <a:extLst>
+              <a:ext uri="{FF2B5EF4-FFF2-40B4-BE49-F238E27FC236}">
+                <a16:creationId xmlns:a16="http://schemas.microsoft.com/office/drawing/2014/main" id="{F7BE0481-16EC-7644-969C-3239ECAC55EC}"/>
+              </a:ext>
+            </a:extLst>
+          </p:cNvPr>
+          <p:cNvPicPr>
+            <a:picLocks noChangeAspect="1"/>
+          </p:cNvPicPr>
+          <p:nvPr/>
+        </p:nvPicPr>
+        <p:blipFill>
+          <a:blip r:embed="rId4"/>
+          <a:stretch>
+            <a:fillRect/>
+          </a:stretch>
+        </p:blipFill>
+        <p:spPr>
+          <a:xfrm>
+            <a:off x="7706953" y="3614059"/>
+            <a:ext cx="3867787" cy="2333383"/>
+          </a:xfrm>
+          <a:prstGeom prst="rect">
+            <a:avLst/>
+          </a:prstGeom>
+        </p:spPr>
+      </p:pic>
     </p:spTree>
     <p:extLst>
       <p:ext uri="{BB962C8B-B14F-4D97-AF65-F5344CB8AC3E}">
